--- a/BE/NodeJS/myapp/public/Ex_WWW.pptx
+++ b/BE/NodeJS/myapp/public/Ex_WWW.pptx
@@ -5949,15 +5949,7 @@
           <a:p>
             <a:r>
               <a:rPr lang="en-US" dirty="0"/>
-              <a:t>Download the project (e.g. </a:t>
-            </a:r>
-            <a:r>
-              <a:rPr lang="en-US"/>
-              <a:t>from FTP) to </a:t>
-            </a:r>
-            <a:r>
-              <a:rPr lang="en-US" dirty="0"/>
-              <a:t>your folder, e.g. c:\code</a:t>
+              <a:t>Download the project (e.g. from FTP) to your folder, e.g. c:\code</a:t>
             </a:r>
           </a:p>
           <a:p>
